--- a/paper/flowchart1.pptx
+++ b/paper/flowchart1.pptx
@@ -288,7 +288,7 @@
           <a:p>
             <a:fld id="{1EE7B146-5923-AE47-810A-5931E1C8E5B2}" type="datetimeFigureOut">
               <a:rPr lang="en-US" smtClean="0"/>
-              <a:t>5/12/14</a:t>
+              <a:t>5/12/2014</a:t>
             </a:fld>
             <a:endParaRPr lang="en-US"/>
           </a:p>
@@ -458,7 +458,7 @@
           <a:p>
             <a:fld id="{1EE7B146-5923-AE47-810A-5931E1C8E5B2}" type="datetimeFigureOut">
               <a:rPr lang="en-US" smtClean="0"/>
-              <a:t>5/12/14</a:t>
+              <a:t>5/12/2014</a:t>
             </a:fld>
             <a:endParaRPr lang="en-US"/>
           </a:p>
@@ -638,7 +638,7 @@
           <a:p>
             <a:fld id="{1EE7B146-5923-AE47-810A-5931E1C8E5B2}" type="datetimeFigureOut">
               <a:rPr lang="en-US" smtClean="0"/>
-              <a:t>5/12/14</a:t>
+              <a:t>5/12/2014</a:t>
             </a:fld>
             <a:endParaRPr lang="en-US"/>
           </a:p>
@@ -808,7 +808,7 @@
           <a:p>
             <a:fld id="{1EE7B146-5923-AE47-810A-5931E1C8E5B2}" type="datetimeFigureOut">
               <a:rPr lang="en-US" smtClean="0"/>
-              <a:t>5/12/14</a:t>
+              <a:t>5/12/2014</a:t>
             </a:fld>
             <a:endParaRPr lang="en-US"/>
           </a:p>
@@ -1054,7 +1054,7 @@
           <a:p>
             <a:fld id="{1EE7B146-5923-AE47-810A-5931E1C8E5B2}" type="datetimeFigureOut">
               <a:rPr lang="en-US" smtClean="0"/>
-              <a:t>5/12/14</a:t>
+              <a:t>5/12/2014</a:t>
             </a:fld>
             <a:endParaRPr lang="en-US"/>
           </a:p>
@@ -1342,7 +1342,7 @@
           <a:p>
             <a:fld id="{1EE7B146-5923-AE47-810A-5931E1C8E5B2}" type="datetimeFigureOut">
               <a:rPr lang="en-US" smtClean="0"/>
-              <a:t>5/12/14</a:t>
+              <a:t>5/12/2014</a:t>
             </a:fld>
             <a:endParaRPr lang="en-US"/>
           </a:p>
@@ -1764,7 +1764,7 @@
           <a:p>
             <a:fld id="{1EE7B146-5923-AE47-810A-5931E1C8E5B2}" type="datetimeFigureOut">
               <a:rPr lang="en-US" smtClean="0"/>
-              <a:t>5/12/14</a:t>
+              <a:t>5/12/2014</a:t>
             </a:fld>
             <a:endParaRPr lang="en-US"/>
           </a:p>
@@ -1882,7 +1882,7 @@
           <a:p>
             <a:fld id="{1EE7B146-5923-AE47-810A-5931E1C8E5B2}" type="datetimeFigureOut">
               <a:rPr lang="en-US" smtClean="0"/>
-              <a:t>5/12/14</a:t>
+              <a:t>5/12/2014</a:t>
             </a:fld>
             <a:endParaRPr lang="en-US"/>
           </a:p>
@@ -1977,7 +1977,7 @@
           <a:p>
             <a:fld id="{1EE7B146-5923-AE47-810A-5931E1C8E5B2}" type="datetimeFigureOut">
               <a:rPr lang="en-US" smtClean="0"/>
-              <a:t>5/12/14</a:t>
+              <a:t>5/12/2014</a:t>
             </a:fld>
             <a:endParaRPr lang="en-US"/>
           </a:p>
@@ -2254,7 +2254,7 @@
           <a:p>
             <a:fld id="{1EE7B146-5923-AE47-810A-5931E1C8E5B2}" type="datetimeFigureOut">
               <a:rPr lang="en-US" smtClean="0"/>
-              <a:t>5/12/14</a:t>
+              <a:t>5/12/2014</a:t>
             </a:fld>
             <a:endParaRPr lang="en-US"/>
           </a:p>
@@ -2507,7 +2507,7 @@
           <a:p>
             <a:fld id="{1EE7B146-5923-AE47-810A-5931E1C8E5B2}" type="datetimeFigureOut">
               <a:rPr lang="en-US" smtClean="0"/>
-              <a:t>5/12/14</a:t>
+              <a:t>5/12/2014</a:t>
             </a:fld>
             <a:endParaRPr lang="en-US"/>
           </a:p>
@@ -2720,7 +2720,7 @@
           <a:p>
             <a:fld id="{1EE7B146-5923-AE47-810A-5931E1C8E5B2}" type="datetimeFigureOut">
               <a:rPr lang="en-US" smtClean="0"/>
-              <a:t>5/12/14</a:t>
+              <a:t>5/12/2014</a:t>
             </a:fld>
             <a:endParaRPr lang="en-US"/>
           </a:p>
@@ -3201,7 +3201,7 @@
           <a:p>
             <a:pPr algn="ctr"/>
             <a:r>
-              <a:rPr lang="en-US" sz="1000" dirty="0" smtClean="0"/>
+              <a:rPr lang="en-US" sz="1200" dirty="0" smtClean="0"/>
               <a:t>Clipper</a:t>
             </a:r>
             <a:endParaRPr lang="en-US" sz="1000" dirty="0"/>
@@ -3278,10 +3278,10 @@
           <a:p>
             <a:pPr algn="ctr"/>
             <a:r>
-              <a:rPr lang="en-US" sz="1000" dirty="0" smtClean="0"/>
+              <a:rPr lang="en-US" sz="1200" dirty="0" smtClean="0"/>
               <a:t>Signal Breaker</a:t>
             </a:r>
-            <a:endParaRPr lang="en-US" sz="1000" dirty="0"/>
+            <a:endParaRPr lang="en-US" sz="1200" dirty="0"/>
           </a:p>
         </p:txBody>
       </p:sp>
@@ -3293,8 +3293,8 @@
         </p:nvSpPr>
         <p:spPr>
           <a:xfrm>
-            <a:off x="3337747" y="1506355"/>
-            <a:ext cx="789100" cy="669374"/>
+            <a:off x="3234088" y="1506355"/>
+            <a:ext cx="892759" cy="669374"/>
           </a:xfrm>
           <a:prstGeom prst="roundRect">
             <a:avLst/>
@@ -3320,10 +3320,10 @@
           <a:p>
             <a:pPr algn="ctr"/>
             <a:r>
-              <a:rPr lang="en-US" sz="1000" dirty="0" smtClean="0"/>
+              <a:rPr lang="en-US" sz="1200" dirty="0" smtClean="0"/>
               <a:t>Feature Extractor</a:t>
             </a:r>
-            <a:endParaRPr lang="en-US" sz="1000" dirty="0"/>
+            <a:endParaRPr lang="en-US" sz="1200" dirty="0"/>
           </a:p>
         </p:txBody>
       </p:sp>
@@ -3339,7 +3339,7 @@
         <p:spPr>
           <a:xfrm>
             <a:off x="2761848" y="1841042"/>
-            <a:ext cx="575899" cy="0"/>
+            <a:ext cx="472240" cy="0"/>
           </a:xfrm>
           <a:prstGeom prst="straightConnector1">
             <a:avLst/>
@@ -3397,31 +3397,31 @@
           <a:lstStyle/>
           <a:p>
             <a:pPr algn="ctr"/>
-            <a:endParaRPr lang="en-US" dirty="0"/>
+            <a:endParaRPr lang="en-US" sz="2000" dirty="0"/>
           </a:p>
           <a:p>
             <a:pPr algn="ctr"/>
-            <a:endParaRPr lang="en-US" dirty="0" smtClean="0"/>
+            <a:endParaRPr lang="en-US" sz="2000" dirty="0" smtClean="0"/>
           </a:p>
           <a:p>
             <a:pPr algn="ctr"/>
-            <a:endParaRPr lang="en-US" dirty="0"/>
+            <a:endParaRPr lang="en-US" sz="2000" dirty="0"/>
           </a:p>
           <a:p>
             <a:pPr algn="ctr"/>
-            <a:endParaRPr lang="en-US" dirty="0" smtClean="0"/>
+            <a:endParaRPr lang="en-US" sz="2000" dirty="0" smtClean="0"/>
           </a:p>
           <a:p>
             <a:pPr algn="ctr"/>
-            <a:endParaRPr lang="en-US" dirty="0"/>
+            <a:endParaRPr lang="en-US" sz="2000" dirty="0"/>
           </a:p>
           <a:p>
             <a:pPr algn="ctr"/>
             <a:r>
-              <a:rPr lang="en-US" sz="1400" dirty="0" smtClean="0"/>
+              <a:rPr lang="en-US" sz="1600" dirty="0" smtClean="0"/>
               <a:t>Supervised Learning Module</a:t>
             </a:r>
-            <a:endParaRPr lang="en-US" sz="1400" dirty="0"/>
+            <a:endParaRPr lang="en-US" sz="1600" dirty="0"/>
           </a:p>
         </p:txBody>
       </p:sp>
@@ -3470,7 +3470,7 @@
         <p:spPr>
           <a:xfrm>
             <a:off x="4438686" y="1460496"/>
-            <a:ext cx="776769" cy="708502"/>
+            <a:ext cx="845583" cy="708502"/>
           </a:xfrm>
           <a:prstGeom prst="flowChartMultidocument">
             <a:avLst/>
@@ -3496,17 +3496,17 @@
           <a:p>
             <a:pPr algn="ctr"/>
             <a:r>
-              <a:rPr lang="en-US" sz="1000" dirty="0" smtClean="0"/>
+              <a:rPr lang="en-US" sz="1200" dirty="0" smtClean="0"/>
               <a:t>Labeled</a:t>
             </a:r>
           </a:p>
           <a:p>
             <a:pPr algn="ctr"/>
             <a:r>
-              <a:rPr lang="en-US" sz="1000" dirty="0" smtClean="0"/>
+              <a:rPr lang="en-US" sz="1200" dirty="0" smtClean="0"/>
               <a:t>Features</a:t>
             </a:r>
-            <a:endParaRPr lang="en-US" sz="1000" dirty="0"/>
+            <a:endParaRPr lang="en-US" sz="1200" dirty="0"/>
           </a:p>
         </p:txBody>
       </p:sp>
@@ -3545,10 +3545,10 @@
           <a:p>
             <a:pPr algn="ctr"/>
             <a:r>
-              <a:rPr lang="en-US" sz="1200" dirty="0" smtClean="0"/>
+              <a:rPr lang="en-US" sz="1400" dirty="0" smtClean="0"/>
               <a:t>AdaBoost With Decision Stump</a:t>
             </a:r>
-            <a:endParaRPr lang="en-US" sz="1200" dirty="0"/>
+            <a:endParaRPr lang="en-US" sz="1400" dirty="0"/>
           </a:p>
         </p:txBody>
       </p:sp>
@@ -3587,7 +3587,7 @@
           <a:p>
             <a:pPr algn="ctr"/>
             <a:r>
-              <a:rPr lang="en-US" sz="1000" dirty="0" smtClean="0"/>
+              <a:rPr lang="en-US" sz="1200" dirty="0" smtClean="0"/>
               <a:t>Labeler</a:t>
             </a:r>
             <a:endParaRPr lang="en-US" sz="1000" dirty="0"/>
@@ -3697,10 +3697,10 @@
           <a:p>
             <a:pPr algn="ctr"/>
             <a:r>
-              <a:rPr lang="en-US" sz="1000" dirty="0" smtClean="0"/>
+              <a:rPr lang="en-US" sz="1200" dirty="0" smtClean="0"/>
               <a:t>Clipper</a:t>
             </a:r>
-            <a:endParaRPr lang="en-US" sz="1000" dirty="0"/>
+            <a:endParaRPr lang="en-US" sz="1200" dirty="0"/>
           </a:p>
         </p:txBody>
       </p:sp>
@@ -3774,10 +3774,10 @@
           <a:p>
             <a:pPr algn="ctr"/>
             <a:r>
-              <a:rPr lang="en-US" sz="1000" dirty="0" smtClean="0"/>
+              <a:rPr lang="en-US" sz="1200" dirty="0" smtClean="0"/>
               <a:t>Signal Breaker</a:t>
             </a:r>
-            <a:endParaRPr lang="en-US" sz="1000" dirty="0"/>
+            <a:endParaRPr lang="en-US" sz="1200" dirty="0"/>
           </a:p>
         </p:txBody>
       </p:sp>
@@ -3790,7 +3790,7 @@
         <p:spPr>
           <a:xfrm>
             <a:off x="3106180" y="4861551"/>
-            <a:ext cx="789100" cy="669374"/>
+            <a:ext cx="859428" cy="669374"/>
           </a:xfrm>
           <a:prstGeom prst="roundRect">
             <a:avLst/>
@@ -3816,10 +3816,10 @@
           <a:p>
             <a:pPr algn="ctr"/>
             <a:r>
-              <a:rPr lang="en-US" sz="1000" dirty="0" smtClean="0"/>
+              <a:rPr lang="en-US" sz="1200" dirty="0" smtClean="0"/>
               <a:t>Feature Extractor</a:t>
             </a:r>
-            <a:endParaRPr lang="en-US" sz="1000" dirty="0"/>
+            <a:endParaRPr lang="en-US" sz="1200" dirty="0"/>
           </a:p>
         </p:txBody>
       </p:sp>
@@ -3924,8 +3924,8 @@
         </p:nvCxnSpPr>
         <p:spPr>
           <a:xfrm>
-            <a:off x="3895280" y="5196238"/>
-            <a:ext cx="1813359" cy="35663"/>
+            <a:off x="3965608" y="5196238"/>
+            <a:ext cx="1743031" cy="35663"/>
           </a:xfrm>
           <a:prstGeom prst="straightConnector1">
             <a:avLst/>
@@ -3958,7 +3958,7 @@
         <p:spPr>
           <a:xfrm>
             <a:off x="4253741" y="4815692"/>
-            <a:ext cx="776769" cy="708502"/>
+            <a:ext cx="866899" cy="708502"/>
           </a:xfrm>
           <a:prstGeom prst="flowChartMultidocument">
             <a:avLst/>
@@ -3984,7 +3984,7 @@
           <a:p>
             <a:pPr algn="ctr"/>
             <a:r>
-              <a:rPr lang="en-US" sz="1000" dirty="0" smtClean="0"/>
+              <a:rPr lang="en-US" sz="1200" dirty="0" smtClean="0"/>
               <a:t>Features</a:t>
             </a:r>
             <a:endParaRPr lang="en-US" sz="1000" dirty="0"/>
@@ -4026,10 +4026,10 @@
           <a:p>
             <a:pPr algn="ctr"/>
             <a:r>
-              <a:rPr lang="en-US" sz="1200" dirty="0" smtClean="0"/>
+              <a:rPr lang="en-US" sz="1400" dirty="0" smtClean="0"/>
               <a:t>Trained AdaBoost With Decision Stump</a:t>
             </a:r>
-            <a:endParaRPr lang="en-US" sz="1200" dirty="0"/>
+            <a:endParaRPr lang="en-US" sz="1400" dirty="0"/>
           </a:p>
         </p:txBody>
       </p:sp>
@@ -4068,10 +4068,10 @@
           <a:p>
             <a:pPr algn="ctr"/>
             <a:r>
-              <a:rPr lang="en-US" sz="1000" dirty="0" smtClean="0"/>
+              <a:rPr lang="en-US" sz="1200" dirty="0" smtClean="0"/>
               <a:t>Dictionary With Keyboard Features</a:t>
             </a:r>
-            <a:endParaRPr lang="en-US" sz="1000" dirty="0"/>
+            <a:endParaRPr lang="en-US" sz="1200" dirty="0"/>
           </a:p>
         </p:txBody>
       </p:sp>
@@ -4145,10 +4145,10 @@
           <a:p>
             <a:pPr algn="ctr"/>
             <a:r>
-              <a:rPr lang="en-US" sz="1000" dirty="0" smtClean="0"/>
+              <a:rPr lang="en-US" sz="1200" dirty="0" smtClean="0"/>
               <a:t> (L/R) (U/D) </a:t>
             </a:r>
-            <a:endParaRPr lang="en-US" sz="1000" dirty="0"/>
+            <a:endParaRPr lang="en-US" sz="1200" dirty="0"/>
           </a:p>
         </p:txBody>
       </p:sp>
@@ -4198,8 +4198,8 @@
         </p:nvSpPr>
         <p:spPr>
           <a:xfrm>
-            <a:off x="7619743" y="5441708"/>
-            <a:ext cx="739572" cy="400110"/>
+            <a:off x="7610118" y="5422458"/>
+            <a:ext cx="811988" cy="461665"/>
           </a:xfrm>
           <a:prstGeom prst="rect">
             <a:avLst/>
@@ -4214,10 +4214,10 @@
           <a:p>
             <a:pPr algn="ctr"/>
             <a:r>
-              <a:rPr lang="en-US" sz="1000" dirty="0" smtClean="0"/>
+              <a:rPr lang="en-US" sz="1200" dirty="0" smtClean="0"/>
               <a:t>Feature Matching</a:t>
             </a:r>
-            <a:endParaRPr lang="en-US" sz="1000" dirty="0"/>
+            <a:endParaRPr lang="en-US" sz="1200" dirty="0"/>
           </a:p>
         </p:txBody>
       </p:sp>
@@ -4292,10 +4292,10 @@
           <a:p>
             <a:pPr algn="ctr"/>
             <a:r>
-              <a:rPr lang="en-US" sz="1000" dirty="0" smtClean="0"/>
+              <a:rPr lang="en-US" sz="1200" dirty="0" smtClean="0"/>
               <a:t>Prediction Output</a:t>
             </a:r>
-            <a:endParaRPr lang="en-US" sz="1000" dirty="0"/>
+            <a:endParaRPr lang="en-US" sz="1200" dirty="0"/>
           </a:p>
         </p:txBody>
       </p:sp>
@@ -4698,8 +4698,8 @@
         </p:nvSpPr>
         <p:spPr>
           <a:xfrm>
-            <a:off x="0" y="777071"/>
-            <a:ext cx="994368" cy="553998"/>
+            <a:off x="-1" y="777071"/>
+            <a:ext cx="1269296" cy="646331"/>
           </a:xfrm>
           <a:prstGeom prst="rect">
             <a:avLst/>
@@ -4714,10 +4714,10 @@
           <a:p>
             <a:pPr algn="ctr"/>
             <a:r>
-              <a:rPr lang="en-US" sz="1000" dirty="0" smtClean="0"/>
+              <a:rPr lang="en-US" sz="1200" dirty="0" smtClean="0"/>
               <a:t>Raw Accelerometer Data</a:t>
             </a:r>
-            <a:endParaRPr lang="en-US" sz="1000" dirty="0"/>
+            <a:endParaRPr lang="en-US" sz="1200" dirty="0"/>
           </a:p>
         </p:txBody>
       </p:sp>
@@ -4729,8 +4729,8 @@
         </p:nvSpPr>
         <p:spPr>
           <a:xfrm>
-            <a:off x="0" y="4067986"/>
-            <a:ext cx="994368" cy="553998"/>
+            <a:off x="-1" y="4067986"/>
+            <a:ext cx="1193534" cy="646331"/>
           </a:xfrm>
           <a:prstGeom prst="rect">
             <a:avLst/>
@@ -4745,10 +4745,10 @@
           <a:p>
             <a:pPr algn="ctr"/>
             <a:r>
-              <a:rPr lang="en-US" sz="1000" dirty="0" smtClean="0"/>
+              <a:rPr lang="en-US" sz="1200" dirty="0" smtClean="0"/>
               <a:t>Raw Accelerometer Data</a:t>
             </a:r>
-            <a:endParaRPr lang="en-US" sz="1000" dirty="0"/>
+            <a:endParaRPr lang="en-US" sz="1200" dirty="0"/>
           </a:p>
         </p:txBody>
       </p:sp>
@@ -4821,7 +4821,7 @@
         <p:spPr>
           <a:xfrm>
             <a:off x="846390" y="2805038"/>
-            <a:ext cx="1133644" cy="276999"/>
+            <a:ext cx="1289135" cy="307777"/>
           </a:xfrm>
           <a:prstGeom prst="rect">
             <a:avLst/>
@@ -4835,10 +4835,10 @@
           <a:lstStyle/>
           <a:p>
             <a:r>
-              <a:rPr lang="en-US" sz="1200" dirty="0" smtClean="0"/>
+              <a:rPr lang="en-US" sz="1400" dirty="0" smtClean="0"/>
               <a:t>Learning Phase</a:t>
             </a:r>
-            <a:endParaRPr lang="en-US" sz="1200" dirty="0"/>
+            <a:endParaRPr lang="en-US" sz="1400" dirty="0"/>
           </a:p>
         </p:txBody>
       </p:sp>
@@ -4851,7 +4851,7 @@
         <p:spPr>
           <a:xfrm>
             <a:off x="907477" y="3129763"/>
-            <a:ext cx="985666" cy="276999"/>
+            <a:ext cx="1119537" cy="307777"/>
           </a:xfrm>
           <a:prstGeom prst="rect">
             <a:avLst/>
@@ -4865,10 +4865,10 @@
           <a:lstStyle/>
           <a:p>
             <a:r>
-              <a:rPr lang="en-US" sz="1200" dirty="0" smtClean="0"/>
+              <a:rPr lang="en-US" sz="1400" dirty="0" smtClean="0"/>
               <a:t>Attack Phase</a:t>
             </a:r>
-            <a:endParaRPr lang="en-US" sz="1200" dirty="0"/>
+            <a:endParaRPr lang="en-US" sz="1400" dirty="0"/>
           </a:p>
         </p:txBody>
       </p:sp>
